--- a/302-변수와 자료형/302-4.자료형 변환..pptx
+++ b/302-변수와 자료형/302-4.자료형 변환..pptx
@@ -130,6 +130,11 @@
       </a:defRPr>
     </a:lvl9pPr>
   </p:defaultTextStyle>
+  <p:extLst>
+    <p:ext uri="{EFAFB233-063F-42B5-8137-9DF3F51BA10A}">
+      <p15:sldGuideLst xmlns:p15="http://schemas.microsoft.com/office/powerpoint/2012/main"/>
+    </p:ext>
+  </p:extLst>
 </p:presentation>
 </file>
 
@@ -215,7 +220,7 @@
           <a:p>
             <a:fld id="{904DB53C-4FCA-483E-88B0-D86FBDC1DAAB}" type="datetimeFigureOut">
               <a:rPr lang="ko-KR" altLang="en-US" smtClean="0"/>
-              <a:t>2023-05-20</a:t>
+              <a:t>2023-05-23</a:t>
             </a:fld>
             <a:endParaRPr lang="ko-KR" altLang="en-US"/>
           </a:p>
@@ -629,7 +634,7 @@
           <a:p>
             <a:fld id="{CC2B0F04-3F05-452B-9A9E-EE4295773E17}" type="datetimeFigureOut">
               <a:rPr lang="ko-KR" altLang="en-US" smtClean="0"/>
-              <a:t>2023-05-20</a:t>
+              <a:t>2023-05-23</a:t>
             </a:fld>
             <a:endParaRPr lang="ko-KR" altLang="en-US"/>
           </a:p>
@@ -827,7 +832,7 @@
           <a:p>
             <a:fld id="{CC2B0F04-3F05-452B-9A9E-EE4295773E17}" type="datetimeFigureOut">
               <a:rPr lang="ko-KR" altLang="en-US" smtClean="0"/>
-              <a:t>2023-05-20</a:t>
+              <a:t>2023-05-23</a:t>
             </a:fld>
             <a:endParaRPr lang="ko-KR" altLang="en-US"/>
           </a:p>
@@ -1035,7 +1040,7 @@
           <a:p>
             <a:fld id="{CC2B0F04-3F05-452B-9A9E-EE4295773E17}" type="datetimeFigureOut">
               <a:rPr lang="ko-KR" altLang="en-US" smtClean="0"/>
-              <a:t>2023-05-20</a:t>
+              <a:t>2023-05-23</a:t>
             </a:fld>
             <a:endParaRPr lang="ko-KR" altLang="en-US"/>
           </a:p>
@@ -1233,7 +1238,7 @@
           <a:p>
             <a:fld id="{CC2B0F04-3F05-452B-9A9E-EE4295773E17}" type="datetimeFigureOut">
               <a:rPr lang="ko-KR" altLang="en-US" smtClean="0"/>
-              <a:t>2023-05-20</a:t>
+              <a:t>2023-05-23</a:t>
             </a:fld>
             <a:endParaRPr lang="ko-KR" altLang="en-US"/>
           </a:p>
@@ -1508,7 +1513,7 @@
           <a:p>
             <a:fld id="{CC2B0F04-3F05-452B-9A9E-EE4295773E17}" type="datetimeFigureOut">
               <a:rPr lang="ko-KR" altLang="en-US" smtClean="0"/>
-              <a:t>2023-05-20</a:t>
+              <a:t>2023-05-23</a:t>
             </a:fld>
             <a:endParaRPr lang="ko-KR" altLang="en-US"/>
           </a:p>
@@ -1773,7 +1778,7 @@
           <a:p>
             <a:fld id="{CC2B0F04-3F05-452B-9A9E-EE4295773E17}" type="datetimeFigureOut">
               <a:rPr lang="ko-KR" altLang="en-US" smtClean="0"/>
-              <a:t>2023-05-20</a:t>
+              <a:t>2023-05-23</a:t>
             </a:fld>
             <a:endParaRPr lang="ko-KR" altLang="en-US"/>
           </a:p>
@@ -2185,7 +2190,7 @@
           <a:p>
             <a:fld id="{CC2B0F04-3F05-452B-9A9E-EE4295773E17}" type="datetimeFigureOut">
               <a:rPr lang="ko-KR" altLang="en-US" smtClean="0"/>
-              <a:t>2023-05-20</a:t>
+              <a:t>2023-05-23</a:t>
             </a:fld>
             <a:endParaRPr lang="ko-KR" altLang="en-US"/>
           </a:p>
@@ -2326,7 +2331,7 @@
           <a:p>
             <a:fld id="{CC2B0F04-3F05-452B-9A9E-EE4295773E17}" type="datetimeFigureOut">
               <a:rPr lang="ko-KR" altLang="en-US" smtClean="0"/>
-              <a:t>2023-05-20</a:t>
+              <a:t>2023-05-23</a:t>
             </a:fld>
             <a:endParaRPr lang="ko-KR" altLang="en-US"/>
           </a:p>
@@ -2439,7 +2444,7 @@
           <a:p>
             <a:fld id="{CC2B0F04-3F05-452B-9A9E-EE4295773E17}" type="datetimeFigureOut">
               <a:rPr lang="ko-KR" altLang="en-US" smtClean="0"/>
-              <a:t>2023-05-20</a:t>
+              <a:t>2023-05-23</a:t>
             </a:fld>
             <a:endParaRPr lang="ko-KR" altLang="en-US"/>
           </a:p>
@@ -2750,7 +2755,7 @@
           <a:p>
             <a:fld id="{CC2B0F04-3F05-452B-9A9E-EE4295773E17}" type="datetimeFigureOut">
               <a:rPr lang="ko-KR" altLang="en-US" smtClean="0"/>
-              <a:t>2023-05-20</a:t>
+              <a:t>2023-05-23</a:t>
             </a:fld>
             <a:endParaRPr lang="ko-KR" altLang="en-US"/>
           </a:p>
@@ -3038,7 +3043,7 @@
           <a:p>
             <a:fld id="{CC2B0F04-3F05-452B-9A9E-EE4295773E17}" type="datetimeFigureOut">
               <a:rPr lang="ko-KR" altLang="en-US" smtClean="0"/>
-              <a:t>2023-05-20</a:t>
+              <a:t>2023-05-23</a:t>
             </a:fld>
             <a:endParaRPr lang="ko-KR" altLang="en-US"/>
           </a:p>
@@ -3279,7 +3284,7 @@
           <a:p>
             <a:fld id="{CC2B0F04-3F05-452B-9A9E-EE4295773E17}" type="datetimeFigureOut">
               <a:rPr lang="ko-KR" altLang="en-US" smtClean="0"/>
-              <a:t>2023-05-20</a:t>
+              <a:t>2023-05-23</a:t>
             </a:fld>
             <a:endParaRPr lang="ko-KR" altLang="en-US"/>
           </a:p>
@@ -4031,7 +4036,7 @@
         </p:nvSpPr>
         <p:spPr>
           <a:xfrm>
-            <a:off x="838199" y="1369898"/>
+            <a:off x="359228" y="1239271"/>
             <a:ext cx="9672873" cy="1285288"/>
           </a:xfrm>
           <a:prstGeom prst="rect">
@@ -4220,7 +4225,7 @@
         </p:nvSpPr>
         <p:spPr>
           <a:xfrm>
-            <a:off x="838199" y="3187336"/>
+            <a:off x="533399" y="3058723"/>
             <a:ext cx="2549435" cy="465320"/>
           </a:xfrm>
           <a:prstGeom prst="rect">
@@ -4316,7 +4321,7 @@
         </p:nvSpPr>
         <p:spPr>
           <a:xfrm>
-            <a:off x="5018875" y="3189350"/>
+            <a:off x="4539904" y="3058723"/>
             <a:ext cx="6097508" cy="1734899"/>
           </a:xfrm>
           <a:prstGeom prst="rect">
@@ -5142,7 +5147,7 @@
         <p:spPr>
           <a:xfrm>
             <a:off x="541444" y="1141580"/>
-            <a:ext cx="11281052" cy="4999638"/>
+            <a:ext cx="11281052" cy="3152834"/>
           </a:xfrm>
           <a:prstGeom prst="rect">
             <a:avLst/>
@@ -5318,15 +5323,15 @@
           </a:lstStyle>
           <a:p>
             <a:r>
-              <a:rPr lang="ko-KR" altLang="en-US"/>
+              <a:rPr lang="ko-KR" altLang="en-US" dirty="0"/>
               <a:t>숫자 자료형으로 변환하기</a:t>
             </a:r>
-            <a:endParaRPr lang="en-US" altLang="ko-KR"/>
+            <a:endParaRPr lang="en-US" altLang="ko-KR" dirty="0"/>
           </a:p>
           <a:p>
             <a:pPr lvl="1"/>
             <a:r>
-              <a:rPr lang="ko-KR" altLang="en-US" sz="1600">
+              <a:rPr lang="ko-KR" altLang="en-US" sz="1600" dirty="0">
                 <a:solidFill>
                   <a:srgbClr val="000000"/>
                 </a:solidFill>
@@ -5335,7 +5340,7 @@
               <a:t>다른 자료형을 숫자 자료형으로 변환할 때는 </a:t>
             </a:r>
             <a:r>
-              <a:rPr lang="en-US" altLang="ko-KR" sz="1600">
+              <a:rPr lang="en-US" altLang="ko-KR" sz="1600" dirty="0">
                 <a:solidFill>
                   <a:srgbClr val="000000"/>
                 </a:solidFill>
@@ -5344,7 +5349,7 @@
               <a:t>Number() </a:t>
             </a:r>
             <a:r>
-              <a:rPr lang="ko-KR" altLang="en-US" sz="1600">
+              <a:rPr lang="ko-KR" altLang="en-US" sz="1600" dirty="0">
                 <a:solidFill>
                   <a:srgbClr val="000000"/>
                 </a:solidFill>
@@ -5352,92 +5357,110 @@
               </a:rPr>
               <a:t>함수를 사용</a:t>
             </a:r>
-            <a:endParaRPr lang="en-US" altLang="ko-KR" sz="1600">
+            <a:endParaRPr lang="en-US" altLang="ko-KR" sz="1600" dirty="0">
               <a:latin typeface="+mn-ea"/>
             </a:endParaRPr>
           </a:p>
           <a:p>
             <a:pPr lvl="1"/>
-            <a:endParaRPr lang="en-US" altLang="ko-KR" sz="1600">
+            <a:endParaRPr lang="en-US" altLang="ko-KR" sz="1600" dirty="0">
               <a:latin typeface="+mn-ea"/>
             </a:endParaRPr>
           </a:p>
           <a:p>
             <a:pPr lvl="1"/>
-            <a:endParaRPr lang="en-US" altLang="ko-KR" sz="1600">
+            <a:endParaRPr lang="en-US" altLang="ko-KR" sz="1600" dirty="0">
               <a:latin typeface="+mn-ea"/>
             </a:endParaRPr>
           </a:p>
           <a:p>
             <a:pPr lvl="1"/>
-            <a:endParaRPr lang="en-US" altLang="ko-KR" sz="1600">
+            <a:endParaRPr lang="en-US" altLang="ko-KR" sz="1600" dirty="0">
               <a:latin typeface="+mn-ea"/>
             </a:endParaRPr>
           </a:p>
           <a:p>
             <a:pPr lvl="1"/>
-            <a:endParaRPr lang="en-US" altLang="ko-KR" sz="1600">
+            <a:endParaRPr lang="en-US" altLang="ko-KR" sz="1600" dirty="0">
               <a:latin typeface="+mn-ea"/>
             </a:endParaRPr>
           </a:p>
           <a:p>
             <a:pPr lvl="1"/>
-            <a:r>
-              <a:rPr lang="ko-KR" altLang="en-US" sz="1600">
-                <a:latin typeface="+mn-ea"/>
-              </a:rPr>
-              <a:t>다른 문자가 들어있어서 숫자로 변환할 수 없는 문자열의 경우</a:t>
-            </a:r>
-            <a:r>
-              <a:rPr lang="en-US" altLang="ko-KR" sz="1600">
-                <a:latin typeface="+mn-ea"/>
-              </a:rPr>
-              <a:t>, NaN(Not a Number)</a:t>
-            </a:r>
-            <a:r>
-              <a:rPr lang="ko-KR" altLang="en-US" sz="1600">
-                <a:latin typeface="+mn-ea"/>
-              </a:rPr>
-              <a:t>라는 값을 출력</a:t>
-            </a:r>
-            <a:endParaRPr lang="en-US" altLang="ko-KR" sz="1600">
+            <a:endParaRPr lang="en-US" altLang="ko-KR" sz="1600" dirty="0">
               <a:latin typeface="+mn-ea"/>
             </a:endParaRPr>
           </a:p>
           <a:p>
-            <a:pPr lvl="2"/>
-            <a:r>
-              <a:rPr lang="en-US" altLang="ko-KR" sz="1400">
+            <a:pPr lvl="1"/>
+            <a:r>
+              <a:rPr lang="ko-KR" altLang="en-US" sz="1600" dirty="0">
                 <a:latin typeface="+mn-ea"/>
               </a:rPr>
+              <a:t>다른 문자가 들어있어서 숫자로 변환할 수 없는 문자열의 경우</a:t>
+            </a:r>
+            <a:r>
+              <a:rPr lang="en-US" altLang="ko-KR" sz="1600" dirty="0">
+                <a:latin typeface="+mn-ea"/>
+              </a:rPr>
+              <a:t>, </a:t>
+            </a:r>
+            <a:r>
+              <a:rPr lang="en-US" altLang="ko-KR" sz="1600" dirty="0" err="1">
+                <a:latin typeface="+mn-ea"/>
+              </a:rPr>
               <a:t>NaN</a:t>
             </a:r>
             <a:r>
-              <a:rPr lang="ko-KR" altLang="en-US" sz="1400">
+              <a:rPr lang="en-US" altLang="ko-KR" sz="1600" dirty="0">
                 <a:latin typeface="+mn-ea"/>
               </a:rPr>
-              <a:t>은 자바스크립트에서 숫자이지만</a:t>
-            </a:r>
-            <a:r>
-              <a:rPr lang="en-US" altLang="ko-KR" sz="1400">
+              <a:t>(Not a Number)</a:t>
+            </a:r>
+            <a:r>
+              <a:rPr lang="ko-KR" altLang="en-US" sz="1600" dirty="0">
                 <a:latin typeface="+mn-ea"/>
               </a:rPr>
-              <a:t>, </a:t>
-            </a:r>
-            <a:r>
-              <a:rPr lang="ko-KR" altLang="en-US" sz="1400">
-                <a:latin typeface="+mn-ea"/>
-              </a:rPr>
-              <a:t>숫자로 나타낼 수 없는 숫자를 의미</a:t>
-            </a:r>
-            <a:endParaRPr lang="en-US" altLang="ko-KR" sz="1400">
+              <a:t>라는 값을 출력</a:t>
+            </a:r>
+            <a:endParaRPr lang="en-US" altLang="ko-KR" sz="1600" dirty="0">
               <a:latin typeface="+mn-ea"/>
             </a:endParaRPr>
           </a:p>
           <a:p>
+            <a:pPr lvl="2"/>
+            <a:r>
+              <a:rPr lang="en-US" altLang="ko-KR" sz="1400" dirty="0" err="1">
+                <a:latin typeface="+mn-ea"/>
+              </a:rPr>
+              <a:t>NaN</a:t>
+            </a:r>
+            <a:r>
+              <a:rPr lang="ko-KR" altLang="en-US" sz="1400" dirty="0">
+                <a:latin typeface="+mn-ea"/>
+              </a:rPr>
+              <a:t>은 자바스크립트에서 숫자이지만</a:t>
+            </a:r>
+            <a:r>
+              <a:rPr lang="en-US" altLang="ko-KR" sz="1400" dirty="0">
+                <a:latin typeface="+mn-ea"/>
+              </a:rPr>
+              <a:t>, </a:t>
+            </a:r>
+            <a:r>
+              <a:rPr lang="ko-KR" altLang="en-US" sz="1400" dirty="0">
+                <a:latin typeface="+mn-ea"/>
+              </a:rPr>
+              <a:t>숫자로 나타낼 수 없는 숫자를 의미</a:t>
+            </a:r>
+            <a:endParaRPr lang="en-US" altLang="ko-KR" sz="1400" dirty="0">
+              <a:latin typeface="+mn-ea"/>
+            </a:endParaRPr>
+          </a:p>
+          <a:p>
             <a:pPr lvl="1"/>
             <a:r>
-              <a:rPr lang="ko-KR" altLang="en-US" sz="1600">
+              <a:rPr lang="ko-KR" altLang="en-US" sz="1600" dirty="0">
                 <a:latin typeface="+mn-ea"/>
               </a:rPr>
               <a:t>숫자 연산자를 사용해 자료형 변환하기</a:t>
@@ -5613,7 +5636,7 @@
         <p:spPr>
           <a:xfrm>
             <a:off x="5276210" y="2767255"/>
-            <a:ext cx="1459267" cy="338554"/>
+            <a:ext cx="1745076" cy="338554"/>
           </a:xfrm>
           <a:prstGeom prst="rect">
             <a:avLst/>
@@ -6899,7 +6922,7 @@
               </a:tabLst>
             </a:pPr>
             <a:r>
-              <a:rPr lang="en-US" altLang="ko-Kore-KR" sz="1800" kern="100">
+              <a:rPr lang="en-US" altLang="ko-Kore-KR" sz="1800" kern="100" dirty="0">
                 <a:solidFill>
                   <a:srgbClr val="000000"/>
                 </a:solidFill>
@@ -6911,7 +6934,7 @@
               <a:t>Number(true)   </a:t>
             </a:r>
             <a:r>
-              <a:rPr lang="en-US" altLang="ko-Kore-KR" sz="1800" kern="100">
+              <a:rPr lang="en-US" altLang="ko-Kore-KR" sz="1800" kern="100" dirty="0">
                 <a:solidFill>
                   <a:srgbClr val="808080"/>
                 </a:solidFill>
@@ -6922,7 +6945,7 @@
               </a:rPr>
               <a:t>// 1</a:t>
             </a:r>
-            <a:endParaRPr lang="ko-Kore-KR" altLang="ko-Kore-KR" sz="1800" kern="100">
+            <a:endParaRPr lang="ko-Kore-KR" altLang="ko-Kore-KR" sz="1800" kern="100" dirty="0">
               <a:effectLst/>
               <a:latin typeface="D2Coding" panose="020B0609020101020101" pitchFamily="49" charset="-127"/>
               <a:ea typeface="D2Coding" panose="020B0609020101020101" pitchFamily="49" charset="-127"/>
@@ -6942,7 +6965,7 @@
               </a:tabLst>
             </a:pPr>
             <a:r>
-              <a:rPr lang="en-US" altLang="ko-Kore-KR" sz="1800" kern="100">
+              <a:rPr lang="en-US" altLang="ko-Kore-KR" sz="1800" kern="100" dirty="0">
                 <a:solidFill>
                   <a:srgbClr val="000000"/>
                 </a:solidFill>
@@ -6954,7 +6977,7 @@
               <a:t>Number("20")   </a:t>
             </a:r>
             <a:r>
-              <a:rPr lang="en-US" altLang="ko-Kore-KR" sz="1800" kern="100">
+              <a:rPr lang="en-US" altLang="ko-Kore-KR" sz="1800" kern="100" dirty="0">
                 <a:solidFill>
                   <a:srgbClr val="808080"/>
                 </a:solidFill>
@@ -6965,7 +6988,7 @@
               </a:rPr>
               <a:t>// 20</a:t>
             </a:r>
-            <a:endParaRPr lang="ko-Kore-KR" altLang="ko-Kore-KR" sz="1800" kern="100">
+            <a:endParaRPr lang="ko-Kore-KR" altLang="ko-Kore-KR" sz="1800" kern="100" dirty="0">
               <a:effectLst/>
               <a:latin typeface="D2Coding" panose="020B0609020101020101" pitchFamily="49" charset="-127"/>
               <a:ea typeface="D2Coding" panose="020B0609020101020101" pitchFamily="49" charset="-127"/>
@@ -6985,7 +7008,7 @@
               </a:tabLst>
             </a:pPr>
             <a:r>
-              <a:rPr lang="en-US" altLang="ko-Kore-KR" sz="1800" kern="100">
+              <a:rPr lang="en-US" altLang="ko-Kore-KR" sz="1800" kern="100" dirty="0">
                 <a:solidFill>
                   <a:srgbClr val="000000"/>
                 </a:solidFill>
@@ -6997,7 +7020,7 @@
               <a:t>Number("Hi?")  </a:t>
             </a:r>
             <a:r>
-              <a:rPr lang="en-US" altLang="ko-Kore-KR" sz="1800" kern="100">
+              <a:rPr lang="en-US" altLang="ko-Kore-KR" sz="1800" kern="100" dirty="0">
                 <a:solidFill>
                   <a:srgbClr val="808080"/>
                 </a:solidFill>
@@ -7006,9 +7029,21 @@
                 <a:ea typeface="D2Coding" panose="020B0609020101020101" pitchFamily="49" charset="-127"/>
                 <a:cs typeface="D2Coding" panose="020B0609020101020101" pitchFamily="49" charset="-127"/>
               </a:rPr>
-              <a:t>// NaN</a:t>
-            </a:r>
-            <a:endParaRPr lang="ko-Kore-KR" altLang="ko-Kore-KR" sz="1800" kern="100">
+              <a:t>// </a:t>
+            </a:r>
+            <a:r>
+              <a:rPr lang="en-US" altLang="ko-Kore-KR" sz="1800" kern="100" dirty="0" err="1">
+                <a:solidFill>
+                  <a:srgbClr val="808080"/>
+                </a:solidFill>
+                <a:effectLst/>
+                <a:latin typeface="D2Coding" panose="020B0609020101020101" pitchFamily="49" charset="-127"/>
+                <a:ea typeface="D2Coding" panose="020B0609020101020101" pitchFamily="49" charset="-127"/>
+                <a:cs typeface="D2Coding" panose="020B0609020101020101" pitchFamily="49" charset="-127"/>
+              </a:rPr>
+              <a:t>NaN</a:t>
+            </a:r>
+            <a:endParaRPr lang="ko-Kore-KR" altLang="ko-Kore-KR" sz="1800" kern="100" dirty="0">
               <a:effectLst/>
               <a:latin typeface="D2Coding" panose="020B0609020101020101" pitchFamily="49" charset="-127"/>
               <a:ea typeface="D2Coding" panose="020B0609020101020101" pitchFamily="49" charset="-127"/>
@@ -7715,7 +7750,7 @@
               </a:tabLst>
             </a:pPr>
             <a:r>
-              <a:rPr lang="en-US" altLang="ko-Kore-KR" sz="1600" kern="100">
+              <a:rPr lang="en-US" altLang="ko-Kore-KR" sz="1600" kern="100" dirty="0">
                 <a:solidFill>
                   <a:srgbClr val="000000"/>
                 </a:solidFill>
@@ -8112,18 +8147,26 @@
             <a:r>
               <a:rPr lang="ko-KR" altLang="ko-Kore-KR" sz="1400" dirty="0" err="1">
                 <a:solidFill>
+                  <a:srgbClr val="FF0000"/>
+                </a:solidFill>
+              </a:rPr>
+              <a:t>소숫점</a:t>
+            </a:r>
+            <a:r>
+              <a:rPr lang="ko-KR" altLang="ko-Kore-KR" sz="1400" dirty="0">
+                <a:solidFill>
+                  <a:srgbClr val="FF0000"/>
+                </a:solidFill>
+              </a:rPr>
+              <a:t> 이하 자리가 너무 많이 </a:t>
+            </a:r>
+            <a:r>
+              <a:rPr lang="ko-KR" altLang="ko-Kore-KR" sz="1400" dirty="0">
+                <a:solidFill>
                   <a:schemeClr val="accent1"/>
                 </a:solidFill>
               </a:rPr>
-              <a:t>소숫점</a:t>
-            </a:r>
-            <a:r>
-              <a:rPr lang="ko-KR" altLang="ko-Kore-KR" sz="1400" dirty="0">
-                <a:solidFill>
-                  <a:schemeClr val="accent1"/>
-                </a:solidFill>
-              </a:rPr>
-              <a:t> 이하 자리가 너무 많이 나타나는 경우가</a:t>
+              <a:t>나타나는 경우가</a:t>
             </a:r>
             <a:r>
               <a:rPr lang="ko-Kore-KR" altLang="en-US" sz="1400" dirty="0">
@@ -8347,7 +8390,7 @@
               </a:tabLst>
             </a:pPr>
             <a:r>
-              <a:rPr lang="en-US" altLang="ko-Kore-KR" sz="1600" kern="100">
+              <a:rPr lang="en-US" altLang="ko-Kore-KR" sz="1600" kern="100" dirty="0">
                 <a:solidFill>
                   <a:srgbClr val="808080"/>
                 </a:solidFill>
@@ -8359,7 +8402,7 @@
               <a:t>// </a:t>
             </a:r>
             <a:r>
-              <a:rPr lang="ko-KR" altLang="ko-Kore-KR" sz="1600" kern="100">
+              <a:rPr lang="ko-KR" altLang="ko-Kore-KR" sz="1600" kern="100" dirty="0">
                 <a:solidFill>
                   <a:srgbClr val="808080"/>
                 </a:solidFill>
@@ -8371,7 +8414,7 @@
               <a:t>섭씨</a:t>
             </a:r>
             <a:r>
-              <a:rPr lang="en-US" altLang="ko-Kore-KR" sz="1600" kern="100">
+              <a:rPr lang="en-US" altLang="ko-Kore-KR" sz="1600" kern="100" dirty="0">
                 <a:solidFill>
                   <a:srgbClr val="808080"/>
                 </a:solidFill>
@@ -8383,7 +8426,7 @@
               <a:t>: c, </a:t>
             </a:r>
             <a:r>
-              <a:rPr lang="ko-KR" altLang="ko-Kore-KR" sz="1600" kern="100">
+              <a:rPr lang="ko-KR" altLang="ko-Kore-KR" sz="1600" kern="100" dirty="0">
                 <a:solidFill>
                   <a:srgbClr val="808080"/>
                 </a:solidFill>
@@ -8395,7 +8438,7 @@
               <a:t>화씨</a:t>
             </a:r>
             <a:r>
-              <a:rPr lang="en-US" altLang="ko-Kore-KR" sz="1600" kern="100">
+              <a:rPr lang="en-US" altLang="ko-Kore-KR" sz="1600" kern="100" dirty="0">
                 <a:solidFill>
                   <a:srgbClr val="808080"/>
                 </a:solidFill>
@@ -8406,7 +8449,7 @@
               </a:rPr>
               <a:t>: f</a:t>
             </a:r>
-            <a:endParaRPr lang="ko-Kore-KR" altLang="ko-Kore-KR" sz="1600" kern="100">
+            <a:endParaRPr lang="ko-Kore-KR" altLang="ko-Kore-KR" sz="1600" kern="100" dirty="0">
               <a:effectLst/>
               <a:latin typeface="D2Coding" panose="020B0609020101020101" pitchFamily="49" charset="-127"/>
               <a:ea typeface="D2Coding" panose="020B0609020101020101" pitchFamily="49" charset="-127"/>
@@ -8426,7 +8469,7 @@
               </a:tabLst>
             </a:pPr>
             <a:r>
-              <a:rPr lang="en-US" altLang="ko-Kore-KR" sz="1600" kern="100">
+              <a:rPr lang="en-US" altLang="ko-Kore-KR" sz="1600" kern="100" dirty="0">
                 <a:effectLst/>
                 <a:latin typeface="D2Coding" panose="020B0609020101020101" pitchFamily="49" charset="-127"/>
                 <a:ea typeface="D2Coding" panose="020B0609020101020101" pitchFamily="49" charset="-127"/>
@@ -8434,7 +8477,7 @@
               </a:rPr>
               <a:t> </a:t>
             </a:r>
-            <a:endParaRPr lang="ko-Kore-KR" altLang="ko-Kore-KR" sz="1600" kern="100">
+            <a:endParaRPr lang="ko-Kore-KR" altLang="ko-Kore-KR" sz="1600" kern="100" dirty="0">
               <a:effectLst/>
               <a:latin typeface="D2Coding" panose="020B0609020101020101" pitchFamily="49" charset="-127"/>
               <a:ea typeface="D2Coding" panose="020B0609020101020101" pitchFamily="49" charset="-127"/>
@@ -8454,7 +8497,7 @@
               </a:tabLst>
             </a:pPr>
             <a:r>
-              <a:rPr lang="en-US" altLang="ko-Kore-KR" sz="1600" kern="100">
+              <a:rPr lang="en-US" altLang="ko-Kore-KR" sz="1600" kern="100" dirty="0">
                 <a:solidFill>
                   <a:srgbClr val="000000"/>
                 </a:solidFill>
@@ -8463,10 +8506,10 @@
                 <a:ea typeface="D2Coding" panose="020B0609020101020101" pitchFamily="49" charset="-127"/>
                 <a:cs typeface="D2Coding" panose="020B0609020101020101" pitchFamily="49" charset="-127"/>
               </a:rPr>
-              <a:t>let f = parseFloat(prompt("</a:t>
-            </a:r>
-            <a:r>
-              <a:rPr lang="ko-KR" altLang="ko-Kore-KR" sz="1600" kern="100">
+              <a:t>let f = </a:t>
+            </a:r>
+            <a:r>
+              <a:rPr lang="en-US" altLang="ko-Kore-KR" sz="1600" kern="100" dirty="0" err="1">
                 <a:solidFill>
                   <a:srgbClr val="000000"/>
                 </a:solidFill>
@@ -8475,10 +8518,10 @@
                 <a:ea typeface="D2Coding" panose="020B0609020101020101" pitchFamily="49" charset="-127"/>
                 <a:cs typeface="D2Coding" panose="020B0609020101020101" pitchFamily="49" charset="-127"/>
               </a:rPr>
-              <a:t>변환할 화씨 온도</a:t>
-            </a:r>
-            <a:r>
-              <a:rPr lang="en-US" altLang="ko-Kore-KR" sz="1600" kern="100">
+              <a:t>parseFloat</a:t>
+            </a:r>
+            <a:r>
+              <a:rPr lang="en-US" altLang="ko-Kore-KR" sz="1600" kern="100" dirty="0">
                 <a:solidFill>
                   <a:srgbClr val="000000"/>
                 </a:solidFill>
@@ -8487,9 +8530,33 @@
                 <a:ea typeface="D2Coding" panose="020B0609020101020101" pitchFamily="49" charset="-127"/>
                 <a:cs typeface="D2Coding" panose="020B0609020101020101" pitchFamily="49" charset="-127"/>
               </a:rPr>
+              <a:t>(prompt("</a:t>
+            </a:r>
+            <a:r>
+              <a:rPr lang="ko-KR" altLang="ko-Kore-KR" sz="1600" kern="100" dirty="0">
+                <a:solidFill>
+                  <a:srgbClr val="000000"/>
+                </a:solidFill>
+                <a:effectLst/>
+                <a:latin typeface="D2Coding" panose="020B0609020101020101" pitchFamily="49" charset="-127"/>
+                <a:ea typeface="D2Coding" panose="020B0609020101020101" pitchFamily="49" charset="-127"/>
+                <a:cs typeface="D2Coding" panose="020B0609020101020101" pitchFamily="49" charset="-127"/>
+              </a:rPr>
+              <a:t>변환할 화씨 온도</a:t>
+            </a:r>
+            <a:r>
+              <a:rPr lang="en-US" altLang="ko-Kore-KR" sz="1600" kern="100" dirty="0">
+                <a:solidFill>
+                  <a:srgbClr val="000000"/>
+                </a:solidFill>
+                <a:effectLst/>
+                <a:latin typeface="D2Coding" panose="020B0609020101020101" pitchFamily="49" charset="-127"/>
+                <a:ea typeface="D2Coding" panose="020B0609020101020101" pitchFamily="49" charset="-127"/>
+                <a:cs typeface="D2Coding" panose="020B0609020101020101" pitchFamily="49" charset="-127"/>
+              </a:rPr>
               <a:t>"));</a:t>
             </a:r>
-            <a:endParaRPr lang="ko-Kore-KR" altLang="ko-Kore-KR" sz="1600" kern="100">
+            <a:endParaRPr lang="ko-Kore-KR" altLang="ko-Kore-KR" sz="1600" kern="100" dirty="0">
               <a:effectLst/>
               <a:latin typeface="D2Coding" panose="020B0609020101020101" pitchFamily="49" charset="-127"/>
               <a:ea typeface="D2Coding" panose="020B0609020101020101" pitchFamily="49" charset="-127"/>
@@ -8509,7 +8576,7 @@
               </a:tabLst>
             </a:pPr>
             <a:r>
-              <a:rPr lang="en-US" altLang="ko-Kore-KR" sz="1600" kern="100">
+              <a:rPr lang="en-US" altLang="ko-Kore-KR" sz="1600" kern="100" dirty="0">
                 <a:solidFill>
                   <a:srgbClr val="000000"/>
                 </a:solidFill>
@@ -8520,7 +8587,7 @@
               </a:rPr>
               <a:t>let c;</a:t>
             </a:r>
-            <a:endParaRPr lang="ko-Kore-KR" altLang="ko-Kore-KR" sz="1600" kern="100">
+            <a:endParaRPr lang="ko-Kore-KR" altLang="ko-Kore-KR" sz="1600" kern="100" dirty="0">
               <a:effectLst/>
               <a:latin typeface="D2Coding" panose="020B0609020101020101" pitchFamily="49" charset="-127"/>
               <a:ea typeface="D2Coding" panose="020B0609020101020101" pitchFamily="49" charset="-127"/>
@@ -8540,7 +8607,7 @@
               </a:tabLst>
             </a:pPr>
             <a:r>
-              <a:rPr lang="en-US" altLang="ko-Kore-KR" sz="1600" kern="100">
+              <a:rPr lang="en-US" altLang="ko-Kore-KR" sz="1600" kern="100" dirty="0">
                 <a:effectLst/>
                 <a:latin typeface="D2Coding" panose="020B0609020101020101" pitchFamily="49" charset="-127"/>
                 <a:ea typeface="D2Coding" panose="020B0609020101020101" pitchFamily="49" charset="-127"/>
@@ -8548,7 +8615,7 @@
               </a:rPr>
               <a:t> </a:t>
             </a:r>
-            <a:endParaRPr lang="ko-Kore-KR" altLang="ko-Kore-KR" sz="1600" kern="100">
+            <a:endParaRPr lang="ko-Kore-KR" altLang="ko-Kore-KR" sz="1600" kern="100" dirty="0">
               <a:effectLst/>
               <a:latin typeface="D2Coding" panose="020B0609020101020101" pitchFamily="49" charset="-127"/>
               <a:ea typeface="D2Coding" panose="020B0609020101020101" pitchFamily="49" charset="-127"/>
@@ -8568,7 +8635,7 @@
               </a:tabLst>
             </a:pPr>
             <a:r>
-              <a:rPr lang="en-US" altLang="ko-Kore-KR" sz="1600" kern="100">
+              <a:rPr lang="en-US" altLang="ko-Kore-KR" sz="1600" kern="100" dirty="0">
                 <a:solidFill>
                   <a:srgbClr val="000000"/>
                 </a:solidFill>
@@ -8580,7 +8647,7 @@
               <a:t>c = ((f - 32) / 1.8)</a:t>
             </a:r>
             <a:r>
-              <a:rPr lang="en-US" altLang="ko-KR" sz="1600" kern="100">
+              <a:rPr lang="en-US" altLang="ko-KR" sz="1600" kern="100" dirty="0">
                 <a:solidFill>
                   <a:srgbClr val="C00000"/>
                 </a:solidFill>
@@ -8592,7 +8659,7 @@
               <a:t>.</a:t>
             </a:r>
             <a:r>
-              <a:rPr lang="en-US" altLang="ko-KR" sz="1600" kern="100">
+              <a:rPr lang="en-US" altLang="ko-KR" sz="1600" kern="100" dirty="0" err="1">
                 <a:solidFill>
                   <a:srgbClr val="C00000"/>
                 </a:solidFill>
@@ -8600,10 +8667,21 @@
                 <a:ea typeface="D2Coding" panose="020B0609020101020101" pitchFamily="49" charset="-127"/>
                 <a:cs typeface="D2Coding" panose="020B0609020101020101" pitchFamily="49" charset="-127"/>
               </a:rPr>
-              <a:t>toFixed(1)</a:t>
-            </a:r>
-            <a:r>
-              <a:rPr lang="en-US" altLang="ko-Kore-KR" sz="1600" kern="100">
+              <a:t>toFixed</a:t>
+            </a:r>
+            <a:r>
+              <a:rPr lang="en-US" altLang="ko-KR" sz="1600" kern="100" dirty="0">
+                <a:solidFill>
+                  <a:srgbClr val="C00000"/>
+                </a:solidFill>
+                <a:latin typeface="D2Coding" panose="020B0609020101020101" pitchFamily="49" charset="-127"/>
+                <a:ea typeface="D2Coding" panose="020B0609020101020101" pitchFamily="49" charset="-127"/>
+                <a:cs typeface="D2Coding" panose="020B0609020101020101" pitchFamily="49" charset="-127"/>
+              </a:rPr>
+              <a:t>(1)</a:t>
+            </a:r>
+            <a:r>
+              <a:rPr lang="en-US" altLang="ko-Kore-KR" sz="1600" kern="100" dirty="0">
                 <a:solidFill>
                   <a:srgbClr val="C00000"/>
                 </a:solidFill>
@@ -8614,7 +8692,7 @@
               </a:rPr>
               <a:t>;</a:t>
             </a:r>
-            <a:endParaRPr lang="ko-Kore-KR" altLang="ko-Kore-KR" sz="1600" kern="100">
+            <a:endParaRPr lang="ko-Kore-KR" altLang="ko-Kore-KR" sz="1600" kern="100" dirty="0">
               <a:solidFill>
                 <a:srgbClr val="C00000"/>
               </a:solidFill>
@@ -8637,7 +8715,7 @@
               </a:tabLst>
             </a:pPr>
             <a:r>
-              <a:rPr lang="en-US" altLang="ko-Kore-KR" sz="1600" kern="100">
+              <a:rPr lang="en-US" altLang="ko-Kore-KR" sz="1600" kern="100" dirty="0">
                 <a:solidFill>
                   <a:srgbClr val="000000"/>
                 </a:solidFill>
@@ -8649,7 +8727,7 @@
               <a:t>alert(`</a:t>
             </a:r>
             <a:r>
-              <a:rPr lang="ko-KR" altLang="ko-Kore-KR" sz="1600" kern="100">
+              <a:rPr lang="ko-KR" altLang="ko-Kore-KR" sz="1600" kern="100" dirty="0">
                 <a:solidFill>
                   <a:srgbClr val="000000"/>
                 </a:solidFill>
@@ -8661,7 +8739,7 @@
               <a:t>화씨</a:t>
             </a:r>
             <a:r>
-              <a:rPr lang="en-US" altLang="ko-Kore-KR" sz="1600" kern="100">
+              <a:rPr lang="en-US" altLang="ko-Kore-KR" sz="1600" kern="100" dirty="0">
                 <a:solidFill>
                   <a:srgbClr val="000000"/>
                 </a:solidFill>
@@ -8673,7 +8751,7 @@
               <a:t> ${f}</a:t>
             </a:r>
             <a:r>
-              <a:rPr lang="ko-KR" altLang="ko-Kore-KR" sz="1600" kern="100">
+              <a:rPr lang="ko-KR" altLang="ko-Kore-KR" sz="1600" kern="100" dirty="0">
                 <a:solidFill>
                   <a:srgbClr val="000000"/>
                 </a:solidFill>
@@ -8685,7 +8763,7 @@
               <a:t>도는 섭씨</a:t>
             </a:r>
             <a:r>
-              <a:rPr lang="en-US" altLang="ko-Kore-KR" sz="1600" kern="100">
+              <a:rPr lang="en-US" altLang="ko-Kore-KR" sz="1600" kern="100" dirty="0">
                 <a:solidFill>
                   <a:srgbClr val="000000"/>
                 </a:solidFill>
@@ -8697,7 +8775,7 @@
               <a:t> ${c}</a:t>
             </a:r>
             <a:r>
-              <a:rPr lang="ko-KR" altLang="ko-Kore-KR" sz="1600" kern="100">
+              <a:rPr lang="ko-KR" altLang="ko-Kore-KR" sz="1600" kern="100" dirty="0">
                 <a:solidFill>
                   <a:srgbClr val="000000"/>
                 </a:solidFill>
@@ -8709,7 +8787,7 @@
               <a:t>도입니다</a:t>
             </a:r>
             <a:r>
-              <a:rPr lang="en-US" altLang="ko-Kore-KR" sz="1600" kern="100">
+              <a:rPr lang="en-US" altLang="ko-Kore-KR" sz="1600" kern="100" dirty="0">
                 <a:solidFill>
                   <a:srgbClr val="000000"/>
                 </a:solidFill>
@@ -8720,7 +8798,7 @@
               </a:rPr>
               <a:t>.`);</a:t>
             </a:r>
-            <a:endParaRPr lang="ko-Kore-KR" altLang="ko-Kore-KR" sz="1600" kern="100">
+            <a:endParaRPr lang="ko-Kore-KR" altLang="ko-Kore-KR" sz="1600" kern="100" dirty="0">
               <a:effectLst/>
               <a:latin typeface="D2Coding" panose="020B0609020101020101" pitchFamily="49" charset="-127"/>
               <a:ea typeface="D2Coding" panose="020B0609020101020101" pitchFamily="49" charset="-127"/>
@@ -9881,10 +9959,16 @@
           <p:cNvGraphicFramePr>
             <a:graphicFrameLocks noGrp="1"/>
           </p:cNvGraphicFramePr>
-          <p:nvPr/>
+          <p:nvPr>
+            <p:extLst>
+              <p:ext uri="{D42A27DB-BD31-4B8C-83A1-F6EECF244321}">
+                <p14:modId xmlns:p14="http://schemas.microsoft.com/office/powerpoint/2010/main" val="1284285031"/>
+              </p:ext>
+            </p:extLst>
+          </p:nvPr>
         </p:nvGraphicFramePr>
         <p:xfrm>
-          <a:off x="1534605" y="1838988"/>
+          <a:off x="690962" y="2101444"/>
           <a:ext cx="6783754" cy="2773680"/>
         </p:xfrm>
         <a:graphic>
@@ -10304,7 +10388,7 @@
         </p:blipFill>
         <p:spPr>
           <a:xfrm>
-            <a:off x="3711191" y="4695663"/>
+            <a:off x="8027376" y="2023842"/>
             <a:ext cx="3583964" cy="1646686"/>
           </a:xfrm>
           <a:prstGeom prst="rect">
@@ -13373,7 +13457,7 @@
         </p:nvSpPr>
         <p:spPr>
           <a:xfrm>
-            <a:off x="587827" y="1633835"/>
+            <a:off x="359227" y="1394350"/>
             <a:ext cx="6377181" cy="923330"/>
           </a:xfrm>
           <a:prstGeom prst="rect">
@@ -13433,13 +13517,13 @@
           <p:nvPr>
             <p:extLst>
               <p:ext uri="{D42A27DB-BD31-4B8C-83A1-F6EECF244321}">
-                <p14:modId xmlns:p14="http://schemas.microsoft.com/office/powerpoint/2010/main" val="2590746107"/>
+                <p14:modId xmlns:p14="http://schemas.microsoft.com/office/powerpoint/2010/main" val="284748296"/>
               </p:ext>
             </p:extLst>
           </p:nvPr>
         </p:nvGraphicFramePr>
         <p:xfrm>
-          <a:off x="872530" y="3245158"/>
+          <a:off x="611273" y="2831501"/>
           <a:ext cx="4146063" cy="1554480"/>
         </p:xfrm>
         <a:graphic>
@@ -13641,7 +13725,7 @@
         </p:blipFill>
         <p:spPr>
           <a:xfrm>
-            <a:off x="5780992" y="3141133"/>
+            <a:off x="5672484" y="2613176"/>
             <a:ext cx="5908243" cy="2598533"/>
           </a:xfrm>
           <a:prstGeom prst="rect">
@@ -14101,7 +14185,7 @@
         </p:nvSpPr>
         <p:spPr>
           <a:xfrm>
-            <a:off x="527956" y="1486877"/>
+            <a:off x="417301" y="1427006"/>
             <a:ext cx="6155871" cy="935194"/>
           </a:xfrm>
           <a:prstGeom prst="rect">
@@ -15267,7 +15351,7 @@
               </a:tabLst>
             </a:pPr>
             <a:r>
-              <a:rPr lang="en-US" altLang="ko-Kore-KR" sz="1600" kern="100">
+              <a:rPr lang="en-US" altLang="ko-Kore-KR" sz="1600" kern="100" dirty="0">
                 <a:solidFill>
                   <a:srgbClr val="000000"/>
                 </a:solidFill>
@@ -15279,7 +15363,7 @@
               <a:t>one = "20"    </a:t>
             </a:r>
             <a:r>
-              <a:rPr lang="en-US" altLang="ko-Kore-KR" sz="1400" kern="100">
+              <a:rPr lang="en-US" altLang="ko-Kore-KR" sz="1400" kern="100" dirty="0">
                 <a:solidFill>
                   <a:srgbClr val="808080"/>
                 </a:solidFill>
@@ -15291,7 +15375,7 @@
               <a:t>// </a:t>
             </a:r>
             <a:r>
-              <a:rPr lang="ko-KR" altLang="ko-Kore-KR" sz="1400" kern="100">
+              <a:rPr lang="ko-KR" altLang="ko-Kore-KR" sz="1400" kern="100" dirty="0">
                 <a:solidFill>
                   <a:srgbClr val="808080"/>
                 </a:solidFill>
@@ -15302,7 +15386,7 @@
               </a:rPr>
               <a:t>문자열</a:t>
             </a:r>
-            <a:endParaRPr lang="ko-Kore-KR" altLang="ko-Kore-KR" sz="1600" kern="100">
+            <a:endParaRPr lang="ko-Kore-KR" altLang="ko-Kore-KR" sz="1600" kern="100" dirty="0">
               <a:effectLst/>
               <a:latin typeface="D2Coding" panose="020B0609020101020101" pitchFamily="49" charset="-127"/>
               <a:ea typeface="D2Coding" panose="020B0609020101020101" pitchFamily="49" charset="-127"/>
@@ -15322,7 +15406,7 @@
               </a:tabLst>
             </a:pPr>
             <a:r>
-              <a:rPr lang="en-US" altLang="ko-Kore-KR" sz="1600" kern="100">
+              <a:rPr lang="en-US" altLang="ko-Kore-KR" sz="1600" kern="100" dirty="0">
                 <a:solidFill>
                   <a:srgbClr val="000000"/>
                 </a:solidFill>
@@ -15334,7 +15418,7 @@
               <a:t>two = 10     </a:t>
             </a:r>
             <a:r>
-              <a:rPr lang="ko-KR" altLang="en-US" sz="1600" kern="100">
+              <a:rPr lang="ko-KR" altLang="en-US" sz="1600" kern="100" dirty="0">
                 <a:solidFill>
                   <a:srgbClr val="000000"/>
                 </a:solidFill>
@@ -15346,7 +15430,7 @@
               <a:t> </a:t>
             </a:r>
             <a:r>
-              <a:rPr lang="en-US" altLang="ko-Kore-KR" sz="1400" kern="100">
+              <a:rPr lang="en-US" altLang="ko-Kore-KR" sz="1400" kern="100" dirty="0">
                 <a:solidFill>
                   <a:srgbClr val="808080"/>
                 </a:solidFill>
@@ -15358,7 +15442,7 @@
               <a:t>// </a:t>
             </a:r>
             <a:r>
-              <a:rPr lang="ko-KR" altLang="ko-Kore-KR" sz="1400" kern="100">
+              <a:rPr lang="ko-KR" altLang="ko-Kore-KR" sz="1400" kern="100" dirty="0">
                 <a:solidFill>
                   <a:srgbClr val="808080"/>
                 </a:solidFill>
@@ -15369,7 +15453,7 @@
               </a:rPr>
               <a:t>숫자형</a:t>
             </a:r>
-            <a:endParaRPr lang="ko-Kore-KR" altLang="ko-Kore-KR" sz="1600" kern="100">
+            <a:endParaRPr lang="ko-Kore-KR" altLang="ko-Kore-KR" sz="1600" kern="100" dirty="0">
               <a:effectLst/>
               <a:latin typeface="D2Coding" panose="020B0609020101020101" pitchFamily="49" charset="-127"/>
               <a:ea typeface="D2Coding" panose="020B0609020101020101" pitchFamily="49" charset="-127"/>
@@ -18048,15 +18132,15 @@
           </a:lstStyle>
           <a:p>
             <a:r>
-              <a:rPr lang="ko-KR" altLang="en-US"/>
+              <a:rPr lang="ko-KR" altLang="en-US" dirty="0"/>
               <a:t>문자열 자료형으로 변환하기</a:t>
             </a:r>
-            <a:endParaRPr lang="en-US" altLang="ko-KR"/>
+            <a:endParaRPr lang="en-US" altLang="ko-KR" dirty="0"/>
           </a:p>
           <a:p>
             <a:pPr lvl="1"/>
             <a:r>
-              <a:rPr lang="ko-KR" altLang="en-US" sz="1600">
+              <a:rPr lang="ko-KR" altLang="en-US" sz="1600" dirty="0">
                 <a:solidFill>
                   <a:srgbClr val="000000"/>
                 </a:solidFill>
@@ -18065,7 +18149,7 @@
               <a:t>다른 자료형을 문자열 자료형으로 변환할 때는 </a:t>
             </a:r>
             <a:r>
-              <a:rPr lang="en-US" altLang="ko-KR" sz="1600">
+              <a:rPr lang="en-US" altLang="ko-KR" sz="1600" dirty="0">
                 <a:solidFill>
                   <a:srgbClr val="000000"/>
                 </a:solidFill>
@@ -18074,7 +18158,7 @@
               <a:t>String() </a:t>
             </a:r>
             <a:r>
-              <a:rPr lang="ko-KR" altLang="en-US" sz="1600">
+              <a:rPr lang="ko-KR" altLang="en-US" sz="1600" dirty="0">
                 <a:solidFill>
                   <a:srgbClr val="000000"/>
                 </a:solidFill>
@@ -18082,7 +18166,7 @@
               </a:rPr>
               <a:t>함수를 사용</a:t>
             </a:r>
-            <a:endParaRPr lang="en-US" altLang="ko-KR" sz="1600">
+            <a:endParaRPr lang="en-US" altLang="ko-KR" sz="1600" dirty="0">
               <a:solidFill>
                 <a:srgbClr val="000000"/>
               </a:solidFill>
@@ -18091,7 +18175,7 @@
           </a:p>
           <a:p>
             <a:pPr lvl="1"/>
-            <a:endParaRPr lang="en-US" altLang="ko-KR" sz="1600">
+            <a:endParaRPr lang="en-US" altLang="ko-KR" sz="1600" dirty="0">
               <a:solidFill>
                 <a:srgbClr val="000000"/>
               </a:solidFill>
@@ -18100,61 +18184,73 @@
           </a:p>
           <a:p>
             <a:pPr lvl="1"/>
-            <a:endParaRPr lang="en-US" altLang="ko-KR" sz="1600">
+            <a:endParaRPr lang="en-US" altLang="ko-KR" sz="1600" dirty="0">
               <a:latin typeface="+mn-ea"/>
             </a:endParaRPr>
           </a:p>
           <a:p>
             <a:pPr lvl="1"/>
-            <a:endParaRPr lang="en-US" altLang="ko-KR" sz="1600">
+            <a:endParaRPr lang="en-US" altLang="ko-KR" sz="1600" dirty="0">
               <a:latin typeface="+mn-ea"/>
             </a:endParaRPr>
           </a:p>
           <a:p>
             <a:pPr lvl="1"/>
-            <a:endParaRPr lang="en-US" altLang="ko-KR" sz="1600">
+            <a:endParaRPr lang="en-US" altLang="ko-KR" sz="1600" dirty="0">
               <a:latin typeface="+mn-ea"/>
             </a:endParaRPr>
           </a:p>
           <a:p>
             <a:pPr lvl="1"/>
-            <a:endParaRPr lang="en-US" altLang="ko-KR" sz="1600">
+            <a:endParaRPr lang="en-US" altLang="ko-KR" sz="1600" dirty="0">
               <a:latin typeface="+mn-ea"/>
             </a:endParaRPr>
           </a:p>
           <a:p>
             <a:pPr lvl="1"/>
-            <a:r>
-              <a:rPr lang="ko-KR" altLang="en-US" sz="1600">
-                <a:latin typeface="+mn-ea"/>
-              </a:rPr>
-              <a:t>문자열 연산자를 사용해 자료형 변환하기</a:t>
-            </a:r>
-            <a:endParaRPr lang="en-US" altLang="ko-KR" sz="1600">
+            <a:endParaRPr lang="en-US" altLang="ko-KR" sz="1600" dirty="0">
               <a:latin typeface="+mn-ea"/>
             </a:endParaRPr>
           </a:p>
           <a:p>
+            <a:pPr lvl="1"/>
+            <a:endParaRPr lang="en-US" altLang="ko-KR" sz="1600" dirty="0">
+              <a:latin typeface="+mn-ea"/>
+            </a:endParaRPr>
+          </a:p>
+          <a:p>
+            <a:pPr lvl="1"/>
+            <a:r>
+              <a:rPr lang="ko-KR" altLang="en-US" sz="1600" dirty="0">
+                <a:latin typeface="+mn-ea"/>
+              </a:rPr>
+              <a:t>문자열 연산자를 사용해 자료형 변환하기</a:t>
+            </a:r>
+            <a:endParaRPr lang="en-US" altLang="ko-KR" sz="1600" dirty="0">
+              <a:latin typeface="+mn-ea"/>
+            </a:endParaRPr>
+          </a:p>
+          <a:p>
             <a:pPr lvl="2"/>
             <a:r>
-              <a:rPr lang="ko-KR" altLang="en-US">
+              <a:rPr lang="ko-KR" altLang="en-US" dirty="0">
                 <a:latin typeface="+mn-ea"/>
               </a:rPr>
               <a:t>문자열 연결 연산자</a:t>
             </a:r>
             <a:r>
-              <a:rPr lang="en-US" altLang="ko-KR">
+              <a:rPr lang="en-US" altLang="ko-KR" dirty="0">
                 <a:latin typeface="+mn-ea"/>
               </a:rPr>
               <a:t>(+)</a:t>
             </a:r>
             <a:r>
-              <a:rPr lang="ko-KR" altLang="en-US">
+              <a:rPr lang="ko-KR" altLang="en-US" dirty="0">
                 <a:latin typeface="+mn-ea"/>
               </a:rPr>
               <a:t>를 사용</a:t>
             </a:r>
-            <a:endParaRPr lang="en-US" altLang="ko-KR">
+            <a:endParaRPr lang="en-US" altLang="ko-KR" dirty="0">
               <a:latin typeface="+mn-ea"/>
             </a:endParaRPr>
           </a:p>
@@ -18766,7 +18862,7 @@
         </p:nvSpPr>
         <p:spPr>
           <a:xfrm>
-            <a:off x="838200" y="1517384"/>
+            <a:off x="454517" y="1299669"/>
             <a:ext cx="9672873" cy="1192955"/>
           </a:xfrm>
           <a:prstGeom prst="rect">
@@ -19197,7 +19293,7 @@
               </a:tabLst>
             </a:pPr>
             <a:r>
-              <a:rPr lang="en-US" altLang="ko-Kore-KR" sz="1800" kern="100">
+              <a:rPr lang="en-US" altLang="ko-Kore-KR" sz="1800" kern="100" dirty="0">
                 <a:solidFill>
                   <a:srgbClr val="000000"/>
                 </a:solidFill>
@@ -19209,7 +19305,7 @@
               <a:t>num = 10            </a:t>
             </a:r>
             <a:r>
-              <a:rPr lang="en-US" altLang="ko-Kore-KR" sz="1600" kern="100">
+              <a:rPr lang="en-US" altLang="ko-Kore-KR" sz="1600" kern="100" dirty="0">
                 <a:solidFill>
                   <a:srgbClr val="808080"/>
                 </a:solidFill>
@@ -19221,7 +19317,7 @@
               <a:t>// </a:t>
             </a:r>
             <a:r>
-              <a:rPr lang="ko-KR" altLang="ko-Kore-KR" sz="1600" kern="100">
+              <a:rPr lang="ko-KR" altLang="ko-Kore-KR" sz="1600" kern="100" dirty="0" err="1">
                 <a:solidFill>
                   <a:srgbClr val="808080"/>
                 </a:solidFill>
@@ -19230,9 +19326,21 @@
                 <a:ea typeface="D2Coding" panose="020B0609020101020101" pitchFamily="49" charset="-127"/>
                 <a:cs typeface="D2Coding" panose="020B0609020101020101" pitchFamily="49" charset="-127"/>
               </a:rPr>
-              <a:t>원랫값 숫자형</a:t>
-            </a:r>
-            <a:endParaRPr lang="ko-Kore-KR" altLang="ko-Kore-KR" sz="1800" kern="100">
+              <a:t>원랫값</a:t>
+            </a:r>
+            <a:r>
+              <a:rPr lang="ko-KR" altLang="ko-Kore-KR" sz="1600" kern="100" dirty="0">
+                <a:solidFill>
+                  <a:srgbClr val="808080"/>
+                </a:solidFill>
+                <a:effectLst/>
+                <a:latin typeface="D2Coding" panose="020B0609020101020101" pitchFamily="49" charset="-127"/>
+                <a:ea typeface="D2Coding" panose="020B0609020101020101" pitchFamily="49" charset="-127"/>
+                <a:cs typeface="D2Coding" panose="020B0609020101020101" pitchFamily="49" charset="-127"/>
+              </a:rPr>
+              <a:t> 숫자형</a:t>
+            </a:r>
+            <a:endParaRPr lang="ko-Kore-KR" altLang="ko-Kore-KR" sz="1800" kern="100" dirty="0">
               <a:effectLst/>
               <a:latin typeface="D2Coding" panose="020B0609020101020101" pitchFamily="49" charset="-127"/>
               <a:ea typeface="D2Coding" panose="020B0609020101020101" pitchFamily="49" charset="-127"/>
@@ -19255,7 +19363,7 @@
               </a:tabLst>
             </a:pPr>
             <a:r>
-              <a:rPr lang="en-US" altLang="ko-Kore-KR" sz="1800" kern="100">
+              <a:rPr lang="en-US" altLang="ko-Kore-KR" sz="1800" kern="100" dirty="0" err="1">
                 <a:solidFill>
                   <a:srgbClr val="000000"/>
                 </a:solidFill>
@@ -19264,22 +19372,22 @@
                 <a:ea typeface="D2Coding" panose="020B0609020101020101" pitchFamily="49" charset="-127"/>
                 <a:cs typeface="D2Coding" panose="020B0609020101020101" pitchFamily="49" charset="-127"/>
               </a:rPr>
-              <a:t>isEmpty = true       </a:t>
-            </a:r>
-            <a:r>
-              <a:rPr lang="en-US" altLang="ko-Kore-KR" sz="1600" kern="100">
-                <a:solidFill>
-                  <a:srgbClr val="808080"/>
+              <a:t>isEmpty</a:t>
+            </a:r>
+            <a:r>
+              <a:rPr lang="en-US" altLang="ko-Kore-KR" sz="1800" kern="100" dirty="0">
+                <a:solidFill>
+                  <a:srgbClr val="000000"/>
                 </a:solidFill>
                 <a:effectLst/>
                 <a:latin typeface="D2Coding" panose="020B0609020101020101" pitchFamily="49" charset="-127"/>
                 <a:ea typeface="D2Coding" panose="020B0609020101020101" pitchFamily="49" charset="-127"/>
                 <a:cs typeface="D2Coding" panose="020B0609020101020101" pitchFamily="49" charset="-127"/>
               </a:rPr>
-              <a:t>// </a:t>
-            </a:r>
-            <a:r>
-              <a:rPr lang="ko-KR" altLang="ko-Kore-KR" sz="1600" kern="100">
+              <a:t> = true       </a:t>
+            </a:r>
+            <a:r>
+              <a:rPr lang="en-US" altLang="ko-Kore-KR" sz="1600" kern="100" dirty="0">
                 <a:solidFill>
                   <a:srgbClr val="808080"/>
                 </a:solidFill>
@@ -19288,9 +19396,33 @@
                 <a:ea typeface="D2Coding" panose="020B0609020101020101" pitchFamily="49" charset="-127"/>
                 <a:cs typeface="D2Coding" panose="020B0609020101020101" pitchFamily="49" charset="-127"/>
               </a:rPr>
-              <a:t>원랫값 논리형</a:t>
-            </a:r>
-            <a:endParaRPr lang="ko-Kore-KR" altLang="ko-Kore-KR" sz="1800" kern="100">
+              <a:t>// </a:t>
+            </a:r>
+            <a:r>
+              <a:rPr lang="ko-KR" altLang="ko-Kore-KR" sz="1600" kern="100" dirty="0" err="1">
+                <a:solidFill>
+                  <a:srgbClr val="808080"/>
+                </a:solidFill>
+                <a:effectLst/>
+                <a:latin typeface="D2Coding" panose="020B0609020101020101" pitchFamily="49" charset="-127"/>
+                <a:ea typeface="D2Coding" panose="020B0609020101020101" pitchFamily="49" charset="-127"/>
+                <a:cs typeface="D2Coding" panose="020B0609020101020101" pitchFamily="49" charset="-127"/>
+              </a:rPr>
+              <a:t>원랫값</a:t>
+            </a:r>
+            <a:r>
+              <a:rPr lang="ko-KR" altLang="ko-Kore-KR" sz="1600" kern="100" dirty="0">
+                <a:solidFill>
+                  <a:srgbClr val="808080"/>
+                </a:solidFill>
+                <a:effectLst/>
+                <a:latin typeface="D2Coding" panose="020B0609020101020101" pitchFamily="49" charset="-127"/>
+                <a:ea typeface="D2Coding" panose="020B0609020101020101" pitchFamily="49" charset="-127"/>
+                <a:cs typeface="D2Coding" panose="020B0609020101020101" pitchFamily="49" charset="-127"/>
+              </a:rPr>
+              <a:t> 논리형</a:t>
+            </a:r>
+            <a:endParaRPr lang="ko-Kore-KR" altLang="ko-Kore-KR" sz="1800" kern="100" dirty="0">
               <a:effectLst/>
               <a:latin typeface="D2Coding" panose="020B0609020101020101" pitchFamily="49" charset="-127"/>
               <a:ea typeface="D2Coding" panose="020B0609020101020101" pitchFamily="49" charset="-127"/>
@@ -19349,7 +19481,7 @@
               </a:tabLst>
             </a:pPr>
             <a:r>
-              <a:rPr lang="en-US" altLang="ko-Kore-KR" sz="1800" kern="100">
+              <a:rPr lang="en-US" altLang="ko-Kore-KR" sz="1800" kern="100" dirty="0" err="1">
                 <a:solidFill>
                   <a:srgbClr val="000000"/>
                 </a:solidFill>
@@ -19358,22 +19490,22 @@
                 <a:ea typeface="D2Coding" panose="020B0609020101020101" pitchFamily="49" charset="-127"/>
                 <a:cs typeface="D2Coding" panose="020B0609020101020101" pitchFamily="49" charset="-127"/>
               </a:rPr>
-              <a:t>num.toString()       </a:t>
-            </a:r>
-            <a:r>
-              <a:rPr lang="en-US" altLang="ko-Kore-KR" sz="1600" kern="100">
-                <a:solidFill>
-                  <a:srgbClr val="808080"/>
+              <a:t>num.toString</a:t>
+            </a:r>
+            <a:r>
+              <a:rPr lang="en-US" altLang="ko-Kore-KR" sz="1800" kern="100" dirty="0">
+                <a:solidFill>
+                  <a:srgbClr val="000000"/>
                 </a:solidFill>
                 <a:effectLst/>
                 <a:latin typeface="D2Coding" panose="020B0609020101020101" pitchFamily="49" charset="-127"/>
                 <a:ea typeface="D2Coding" panose="020B0609020101020101" pitchFamily="49" charset="-127"/>
                 <a:cs typeface="D2Coding" panose="020B0609020101020101" pitchFamily="49" charset="-127"/>
               </a:rPr>
-              <a:t>// '10', 10</a:t>
-            </a:r>
-            <a:r>
-              <a:rPr lang="ko-KR" altLang="ko-Kore-KR" sz="1600" kern="100">
+              <a:t>()       </a:t>
+            </a:r>
+            <a:r>
+              <a:rPr lang="en-US" altLang="ko-Kore-KR" sz="1600" kern="100" dirty="0">
                 <a:solidFill>
                   <a:srgbClr val="808080"/>
                 </a:solidFill>
@@ -19382,9 +19514,21 @@
                 <a:ea typeface="D2Coding" panose="020B0609020101020101" pitchFamily="49" charset="-127"/>
                 <a:cs typeface="D2Coding" panose="020B0609020101020101" pitchFamily="49" charset="-127"/>
               </a:rPr>
+              <a:t>// '10', 10</a:t>
+            </a:r>
+            <a:r>
+              <a:rPr lang="ko-KR" altLang="ko-Kore-KR" sz="1600" kern="100" dirty="0">
+                <a:solidFill>
+                  <a:srgbClr val="808080"/>
+                </a:solidFill>
+                <a:effectLst/>
+                <a:latin typeface="D2Coding" panose="020B0609020101020101" pitchFamily="49" charset="-127"/>
+                <a:ea typeface="D2Coding" panose="020B0609020101020101" pitchFamily="49" charset="-127"/>
+                <a:cs typeface="D2Coding" panose="020B0609020101020101" pitchFamily="49" charset="-127"/>
+              </a:rPr>
               <a:t>진수 문자열</a:t>
             </a:r>
-            <a:endParaRPr lang="ko-Kore-KR" altLang="ko-Kore-KR" sz="1800" kern="100">
+            <a:endParaRPr lang="ko-Kore-KR" altLang="ko-Kore-KR" sz="1800" kern="100" dirty="0">
               <a:effectLst/>
               <a:latin typeface="D2Coding" panose="020B0609020101020101" pitchFamily="49" charset="-127"/>
               <a:ea typeface="D2Coding" panose="020B0609020101020101" pitchFamily="49" charset="-127"/>
@@ -19407,7 +19551,7 @@
               </a:tabLst>
             </a:pPr>
             <a:r>
-              <a:rPr lang="en-US" altLang="ko-Kore-KR" sz="1800" kern="100">
+              <a:rPr lang="en-US" altLang="ko-Kore-KR" sz="1800" kern="100" dirty="0" err="1">
                 <a:solidFill>
                   <a:srgbClr val="000000"/>
                 </a:solidFill>
@@ -19416,22 +19560,22 @@
                 <a:ea typeface="D2Coding" panose="020B0609020101020101" pitchFamily="49" charset="-127"/>
                 <a:cs typeface="D2Coding" panose="020B0609020101020101" pitchFamily="49" charset="-127"/>
               </a:rPr>
-              <a:t>num.toString(2)      </a:t>
-            </a:r>
-            <a:r>
-              <a:rPr lang="en-US" altLang="ko-Kore-KR" sz="1600" kern="100">
-                <a:solidFill>
-                  <a:srgbClr val="808080"/>
+              <a:t>num.toString</a:t>
+            </a:r>
+            <a:r>
+              <a:rPr lang="en-US" altLang="ko-Kore-KR" sz="1800" kern="100" dirty="0">
+                <a:solidFill>
+                  <a:srgbClr val="000000"/>
                 </a:solidFill>
                 <a:effectLst/>
                 <a:latin typeface="D2Coding" panose="020B0609020101020101" pitchFamily="49" charset="-127"/>
                 <a:ea typeface="D2Coding" panose="020B0609020101020101" pitchFamily="49" charset="-127"/>
                 <a:cs typeface="D2Coding" panose="020B0609020101020101" pitchFamily="49" charset="-127"/>
               </a:rPr>
-              <a:t>// '1010', 2</a:t>
-            </a:r>
-            <a:r>
-              <a:rPr lang="ko-KR" altLang="ko-Kore-KR" sz="1600" kern="100">
+              <a:t>(2)      </a:t>
+            </a:r>
+            <a:r>
+              <a:rPr lang="en-US" altLang="ko-Kore-KR" sz="1600" kern="100" dirty="0">
                 <a:solidFill>
                   <a:srgbClr val="808080"/>
                 </a:solidFill>
@@ -19440,9 +19584,21 @@
                 <a:ea typeface="D2Coding" panose="020B0609020101020101" pitchFamily="49" charset="-127"/>
                 <a:cs typeface="D2Coding" panose="020B0609020101020101" pitchFamily="49" charset="-127"/>
               </a:rPr>
+              <a:t>// '1010', 2</a:t>
+            </a:r>
+            <a:r>
+              <a:rPr lang="ko-KR" altLang="ko-Kore-KR" sz="1600" kern="100" dirty="0">
+                <a:solidFill>
+                  <a:srgbClr val="808080"/>
+                </a:solidFill>
+                <a:effectLst/>
+                <a:latin typeface="D2Coding" panose="020B0609020101020101" pitchFamily="49" charset="-127"/>
+                <a:ea typeface="D2Coding" panose="020B0609020101020101" pitchFamily="49" charset="-127"/>
+                <a:cs typeface="D2Coding" panose="020B0609020101020101" pitchFamily="49" charset="-127"/>
+              </a:rPr>
               <a:t>진수 문자열</a:t>
             </a:r>
-            <a:endParaRPr lang="ko-Kore-KR" altLang="ko-Kore-KR" sz="1800" kern="100">
+            <a:endParaRPr lang="ko-Kore-KR" altLang="ko-Kore-KR" sz="1800" kern="100" dirty="0">
               <a:effectLst/>
               <a:latin typeface="D2Coding" panose="020B0609020101020101" pitchFamily="49" charset="-127"/>
               <a:ea typeface="D2Coding" panose="020B0609020101020101" pitchFamily="49" charset="-127"/>
@@ -19465,7 +19621,7 @@
               </a:tabLst>
             </a:pPr>
             <a:r>
-              <a:rPr lang="en-US" altLang="ko-Kore-KR" sz="1800" kern="100">
+              <a:rPr lang="en-US" altLang="ko-Kore-KR" sz="1800" kern="100" dirty="0" err="1">
                 <a:solidFill>
                   <a:srgbClr val="000000"/>
                 </a:solidFill>
@@ -19474,33 +19630,45 @@
                 <a:ea typeface="D2Coding" panose="020B0609020101020101" pitchFamily="49" charset="-127"/>
                 <a:cs typeface="D2Coding" panose="020B0609020101020101" pitchFamily="49" charset="-127"/>
               </a:rPr>
-              <a:t>isEmpty.toString()    </a:t>
-            </a:r>
-            <a:r>
-              <a:rPr lang="en-US" altLang="ko-Kore-KR" sz="1600" kern="100">
-                <a:solidFill>
-                  <a:srgbClr val="808080"/>
+              <a:t>isEmpty.toString</a:t>
+            </a:r>
+            <a:r>
+              <a:rPr lang="en-US" altLang="ko-Kore-KR" sz="1800" kern="100" dirty="0">
+                <a:solidFill>
+                  <a:srgbClr val="000000"/>
                 </a:solidFill>
                 <a:effectLst/>
                 <a:latin typeface="D2Coding" panose="020B0609020101020101" pitchFamily="49" charset="-127"/>
                 <a:ea typeface="D2Coding" panose="020B0609020101020101" pitchFamily="49" charset="-127"/>
                 <a:cs typeface="D2Coding" panose="020B0609020101020101" pitchFamily="49" charset="-127"/>
               </a:rPr>
-              <a:t>// 'true'</a:t>
-            </a:r>
-            <a:r>
-              <a:rPr lang="en-US" altLang="ko-Kore-KR" sz="1600" kern="100">
-                <a:solidFill>
-                  <a:srgbClr val="000000"/>
+              <a:t>()    </a:t>
+            </a:r>
+            <a:r>
+              <a:rPr lang="en-US" altLang="ko-Kore-KR" sz="1600" kern="100" dirty="0">
+                <a:solidFill>
+                  <a:srgbClr val="808080"/>
                 </a:solidFill>
                 <a:effectLst/>
                 <a:latin typeface="D2Coding" panose="020B0609020101020101" pitchFamily="49" charset="-127"/>
                 <a:ea typeface="D2Coding" panose="020B0609020101020101" pitchFamily="49" charset="-127"/>
                 <a:cs typeface="D2Coding" panose="020B0609020101020101" pitchFamily="49" charset="-127"/>
               </a:rPr>
+              <a:t>// 'true'</a:t>
+            </a:r>
+            <a:r>
+              <a:rPr lang="en-US" altLang="ko-Kore-KR" sz="1600" kern="100" dirty="0">
+                <a:solidFill>
+                  <a:srgbClr val="000000"/>
+                </a:solidFill>
+                <a:effectLst/>
+                <a:latin typeface="D2Coding" panose="020B0609020101020101" pitchFamily="49" charset="-127"/>
+                <a:ea typeface="D2Coding" panose="020B0609020101020101" pitchFamily="49" charset="-127"/>
+                <a:cs typeface="D2Coding" panose="020B0609020101020101" pitchFamily="49" charset="-127"/>
+              </a:rPr>
               <a:t> </a:t>
             </a:r>
-            <a:endParaRPr lang="ko-Kore-KR" altLang="ko-Kore-KR" sz="1800" kern="100">
+            <a:endParaRPr lang="ko-Kore-KR" altLang="ko-Kore-KR" sz="1800" kern="100" dirty="0">
               <a:effectLst/>
               <a:latin typeface="D2Coding" panose="020B0609020101020101" pitchFamily="49" charset="-127"/>
               <a:ea typeface="D2Coding" panose="020B0609020101020101" pitchFamily="49" charset="-127"/>
